--- a/Lesson Decks/02 CSS Basics - FEWD 3.2.pptx
+++ b/Lesson Decks/02 CSS Basics - FEWD 3.2.pptx
@@ -39282,10 +39282,10 @@
               <a:buNone/>
             </a:pPr>
             <a:r>
-              <a:rPr lang="en"/>
-              <a:t>There are 4 file formats:</a:t>
-            </a:r>
-            <a:endParaRPr/>
+              <a:rPr lang="en" dirty="0"/>
+              <a:t>There are 4 major file formats:</a:t>
+            </a:r>
+            <a:endParaRPr dirty="0"/>
           </a:p>
           <a:p>
             <a:pPr marL="457200" lvl="0" indent="-342900" algn="l" rtl="0">
@@ -39299,10 +39299,10 @@
               <a:buChar char="●"/>
             </a:pPr>
             <a:r>
-              <a:rPr lang="en"/>
+              <a:rPr lang="en" dirty="0"/>
               <a:t>JPG / JPEG</a:t>
             </a:r>
-            <a:endParaRPr/>
+            <a:endParaRPr dirty="0"/>
           </a:p>
           <a:p>
             <a:pPr marL="457200" lvl="0" indent="-342900" algn="l" rtl="0">
@@ -39316,10 +39316,10 @@
               <a:buChar char="●"/>
             </a:pPr>
             <a:r>
-              <a:rPr lang="en"/>
+              <a:rPr lang="en" dirty="0"/>
               <a:t>PNG</a:t>
             </a:r>
-            <a:endParaRPr/>
+            <a:endParaRPr dirty="0"/>
           </a:p>
           <a:p>
             <a:pPr marL="457200" lvl="0" indent="-342900" algn="l" rtl="0">
@@ -39333,10 +39333,10 @@
               <a:buChar char="●"/>
             </a:pPr>
             <a:r>
-              <a:rPr lang="en"/>
+              <a:rPr lang="en" dirty="0"/>
               <a:t>GIF</a:t>
             </a:r>
-            <a:endParaRPr/>
+            <a:endParaRPr dirty="0"/>
           </a:p>
           <a:p>
             <a:pPr marL="457200" lvl="0" indent="-342900" algn="l" rtl="0">
@@ -39350,10 +39350,10 @@
               <a:buChar char="●"/>
             </a:pPr>
             <a:r>
-              <a:rPr lang="en"/>
+              <a:rPr lang="en" dirty="0"/>
               <a:t>SVG</a:t>
             </a:r>
-            <a:endParaRPr/>
+            <a:endParaRPr dirty="0"/>
           </a:p>
         </p:txBody>
       </p:sp>
